--- a/OS/sp17/lectures/OSsp17_lec7_synch_p2.pptx
+++ b/OS/sp17/lectures/OSsp17_lec7_synch_p2.pptx
@@ -5,10 +5,10 @@
     <p:sldMasterId id="2147483792" r:id="rId1"/>
   </p:sldMasterIdLst>
   <p:notesMasterIdLst>
-    <p:notesMasterId r:id="rId47"/>
+    <p:notesMasterId r:id="rId48"/>
   </p:notesMasterIdLst>
   <p:handoutMasterIdLst>
-    <p:handoutMasterId r:id="rId48"/>
+    <p:handoutMasterId r:id="rId49"/>
   </p:handoutMasterIdLst>
   <p:sldIdLst>
     <p:sldId id="256" r:id="rId2"/>
@@ -56,6 +56,7 @@
     <p:sldId id="529" r:id="rId44"/>
     <p:sldId id="530" r:id="rId45"/>
     <p:sldId id="385" r:id="rId46"/>
+    <p:sldId id="531" r:id="rId47"/>
   </p:sldIdLst>
   <p:sldSz cx="9144000" cy="6858000" type="screen4x3"/>
   <p:notesSz cx="9144000" cy="6858000"/>
@@ -575,7 +576,7 @@
             <a:tailEnd/>
           </a:ln>
           <a:extLst>
-            <a:ext uri="{909E8E84-426E-40DD-AFC4-6F175D3DCCD1}">
+            <a:ext uri="{909E8E84-426E-40dd-AFC4-6F175D3DCCD1}">
               <a14:hiddenFill xmlns:a14="http://schemas.microsoft.com/office/drawing/2010/main">
                 <a:solidFill>
                   <a:srgbClr val="FFFFFF"/>
@@ -583,7 +584,7 @@
               </a14:hiddenFill>
             </a:ext>
             <a:ext uri="{FAA26D3D-D897-4be2-8F04-BA451C77F1D7}">
-              <ma14:placeholderFlag xmlns:ma14="http://schemas.microsoft.com/office/mac/drawingml/2011/main" xmlns="" val="1"/>
+              <ma14:placeholderFlag xmlns:ma14="http://schemas.microsoft.com/office/mac/drawingml/2011/main" val="1"/>
             </a:ext>
           </a:extLst>
         </p:spPr>
@@ -922,14 +923,14 @@
           <a:noFill/>
           <a:ln/>
           <a:extLst>
-            <a:ext uri="{909E8E84-426E-40DD-AFC4-6F175D3DCCD1}">
+            <a:ext uri="{909E8E84-426E-40dd-AFC4-6F175D3DCCD1}">
               <a14:hiddenFill xmlns:a14="http://schemas.microsoft.com/office/drawing/2010/main">
                 <a:solidFill>
                   <a:srgbClr val="FFFFFF"/>
                 </a:solidFill>
               </a14:hiddenFill>
             </a:ext>
-            <a:ext uri="{91240B29-F687-4F45-9708-019B960494DF}">
+            <a:ext uri="{91240B29-F687-4f45-9708-019B960494DF}">
               <a14:hiddenLine xmlns:a14="http://schemas.microsoft.com/office/drawing/2010/main" w="9525">
                 <a:solidFill>
                   <a:srgbClr val="000000"/>
@@ -1097,14 +1098,14 @@
           <a:noFill/>
           <a:ln/>
           <a:extLst>
-            <a:ext uri="{909E8E84-426E-40DD-AFC4-6F175D3DCCD1}">
+            <a:ext uri="{909E8E84-426E-40dd-AFC4-6F175D3DCCD1}">
               <a14:hiddenFill xmlns:a14="http://schemas.microsoft.com/office/drawing/2010/main">
                 <a:solidFill>
                   <a:srgbClr val="FFFFFF"/>
                 </a:solidFill>
               </a14:hiddenFill>
             </a:ext>
-            <a:ext uri="{91240B29-F687-4F45-9708-019B960494DF}">
+            <a:ext uri="{91240B29-F687-4f45-9708-019B960494DF}">
               <a14:hiddenLine xmlns:a14="http://schemas.microsoft.com/office/drawing/2010/main" w="9525">
                 <a:solidFill>
                   <a:srgbClr val="000000"/>
@@ -1115,7 +1116,7 @@
               </a14:hiddenLine>
             </a:ext>
             <a:ext uri="{FAA26D3D-D897-4be2-8F04-BA451C77F1D7}">
-              <ma14:placeholderFlag xmlns:ma14="http://schemas.microsoft.com/office/mac/drawingml/2011/main" xmlns="" val="1"/>
+              <ma14:placeholderFlag xmlns:ma14="http://schemas.microsoft.com/office/mac/drawingml/2011/main" val="1"/>
             </a:ext>
           </a:extLst>
         </p:spPr>
@@ -1167,14 +1168,14 @@
           <a:noFill/>
           <a:ln/>
           <a:extLst>
-            <a:ext uri="{909E8E84-426E-40DD-AFC4-6F175D3DCCD1}">
+            <a:ext uri="{909E8E84-426E-40dd-AFC4-6F175D3DCCD1}">
               <a14:hiddenFill xmlns:a14="http://schemas.microsoft.com/office/drawing/2010/main">
                 <a:solidFill>
                   <a:srgbClr val="FFFFFF"/>
                 </a:solidFill>
               </a14:hiddenFill>
             </a:ext>
-            <a:ext uri="{91240B29-F687-4F45-9708-019B960494DF}">
+            <a:ext uri="{91240B29-F687-4f45-9708-019B960494DF}">
               <a14:hiddenLine xmlns:a14="http://schemas.microsoft.com/office/drawing/2010/main" w="9525">
                 <a:solidFill>
                   <a:srgbClr val="000000"/>
@@ -1346,14 +1347,14 @@
           <a:noFill/>
           <a:ln/>
           <a:extLst>
-            <a:ext uri="{909E8E84-426E-40DD-AFC4-6F175D3DCCD1}">
+            <a:ext uri="{909E8E84-426E-40dd-AFC4-6F175D3DCCD1}">
               <a14:hiddenFill xmlns:a14="http://schemas.microsoft.com/office/drawing/2010/main">
                 <a:solidFill>
                   <a:srgbClr val="FFFFFF"/>
                 </a:solidFill>
               </a14:hiddenFill>
             </a:ext>
-            <a:ext uri="{91240B29-F687-4F45-9708-019B960494DF}">
+            <a:ext uri="{91240B29-F687-4f45-9708-019B960494DF}">
               <a14:hiddenLine xmlns:a14="http://schemas.microsoft.com/office/drawing/2010/main" w="9525">
                 <a:solidFill>
                   <a:srgbClr val="000000"/>
@@ -1364,7 +1365,7 @@
               </a14:hiddenLine>
             </a:ext>
             <a:ext uri="{FAA26D3D-D897-4be2-8F04-BA451C77F1D7}">
-              <ma14:placeholderFlag xmlns:ma14="http://schemas.microsoft.com/office/mac/drawingml/2011/main" xmlns="" val="1"/>
+              <ma14:placeholderFlag xmlns:ma14="http://schemas.microsoft.com/office/mac/drawingml/2011/main" val="1"/>
             </a:ext>
           </a:extLst>
         </p:spPr>
@@ -1417,14 +1418,14 @@
           <a:noFill/>
           <a:ln/>
           <a:extLst>
-            <a:ext uri="{909E8E84-426E-40DD-AFC4-6F175D3DCCD1}">
+            <a:ext uri="{909E8E84-426E-40dd-AFC4-6F175D3DCCD1}">
               <a14:hiddenFill xmlns:a14="http://schemas.microsoft.com/office/drawing/2010/main">
                 <a:solidFill>
                   <a:srgbClr val="FFFFFF"/>
                 </a:solidFill>
               </a14:hiddenFill>
             </a:ext>
-            <a:ext uri="{91240B29-F687-4F45-9708-019B960494DF}">
+            <a:ext uri="{91240B29-F687-4f45-9708-019B960494DF}">
               <a14:hiddenLine xmlns:a14="http://schemas.microsoft.com/office/drawing/2010/main" w="9525">
                 <a:solidFill>
                   <a:srgbClr val="000000"/>
@@ -1596,14 +1597,14 @@
           <a:noFill/>
           <a:ln/>
           <a:extLst>
-            <a:ext uri="{909E8E84-426E-40DD-AFC4-6F175D3DCCD1}">
+            <a:ext uri="{909E8E84-426E-40dd-AFC4-6F175D3DCCD1}">
               <a14:hiddenFill xmlns:a14="http://schemas.microsoft.com/office/drawing/2010/main">
                 <a:solidFill>
                   <a:srgbClr val="FFFFFF"/>
                 </a:solidFill>
               </a14:hiddenFill>
             </a:ext>
-            <a:ext uri="{91240B29-F687-4F45-9708-019B960494DF}">
+            <a:ext uri="{91240B29-F687-4f45-9708-019B960494DF}">
               <a14:hiddenLine xmlns:a14="http://schemas.microsoft.com/office/drawing/2010/main" w="9525">
                 <a:solidFill>
                   <a:srgbClr val="000000"/>
@@ -1614,7 +1615,7 @@
               </a14:hiddenLine>
             </a:ext>
             <a:ext uri="{FAA26D3D-D897-4be2-8F04-BA451C77F1D7}">
-              <ma14:placeholderFlag xmlns:ma14="http://schemas.microsoft.com/office/mac/drawingml/2011/main" xmlns="" val="1"/>
+              <ma14:placeholderFlag xmlns:ma14="http://schemas.microsoft.com/office/mac/drawingml/2011/main" val="1"/>
             </a:ext>
           </a:extLst>
         </p:spPr>
@@ -1667,14 +1668,14 @@
           <a:noFill/>
           <a:ln/>
           <a:extLst>
-            <a:ext uri="{909E8E84-426E-40DD-AFC4-6F175D3DCCD1}">
+            <a:ext uri="{909E8E84-426E-40dd-AFC4-6F175D3DCCD1}">
               <a14:hiddenFill xmlns:a14="http://schemas.microsoft.com/office/drawing/2010/main">
                 <a:solidFill>
                   <a:srgbClr val="FFFFFF"/>
                 </a:solidFill>
               </a14:hiddenFill>
             </a:ext>
-            <a:ext uri="{91240B29-F687-4F45-9708-019B960494DF}">
+            <a:ext uri="{91240B29-F687-4f45-9708-019B960494DF}">
               <a14:hiddenLine xmlns:a14="http://schemas.microsoft.com/office/drawing/2010/main" w="9525">
                 <a:solidFill>
                   <a:srgbClr val="000000"/>
@@ -1846,14 +1847,14 @@
           <a:noFill/>
           <a:ln/>
           <a:extLst>
-            <a:ext uri="{909E8E84-426E-40DD-AFC4-6F175D3DCCD1}">
+            <a:ext uri="{909E8E84-426E-40dd-AFC4-6F175D3DCCD1}">
               <a14:hiddenFill xmlns:a14="http://schemas.microsoft.com/office/drawing/2010/main">
                 <a:solidFill>
                   <a:srgbClr val="FFFFFF"/>
                 </a:solidFill>
               </a14:hiddenFill>
             </a:ext>
-            <a:ext uri="{91240B29-F687-4F45-9708-019B960494DF}">
+            <a:ext uri="{91240B29-F687-4f45-9708-019B960494DF}">
               <a14:hiddenLine xmlns:a14="http://schemas.microsoft.com/office/drawing/2010/main" w="9525">
                 <a:solidFill>
                   <a:srgbClr val="000000"/>
@@ -1864,7 +1865,7 @@
               </a14:hiddenLine>
             </a:ext>
             <a:ext uri="{FAA26D3D-D897-4be2-8F04-BA451C77F1D7}">
-              <ma14:placeholderFlag xmlns:ma14="http://schemas.microsoft.com/office/mac/drawingml/2011/main" xmlns="" val="1"/>
+              <ma14:placeholderFlag xmlns:ma14="http://schemas.microsoft.com/office/mac/drawingml/2011/main" val="1"/>
             </a:ext>
           </a:extLst>
         </p:spPr>
@@ -1917,14 +1918,14 @@
           <a:noFill/>
           <a:ln/>
           <a:extLst>
-            <a:ext uri="{909E8E84-426E-40DD-AFC4-6F175D3DCCD1}">
+            <a:ext uri="{909E8E84-426E-40dd-AFC4-6F175D3DCCD1}">
               <a14:hiddenFill xmlns:a14="http://schemas.microsoft.com/office/drawing/2010/main">
                 <a:solidFill>
                   <a:srgbClr val="FFFFFF"/>
                 </a:solidFill>
               </a14:hiddenFill>
             </a:ext>
-            <a:ext uri="{91240B29-F687-4F45-9708-019B960494DF}">
+            <a:ext uri="{91240B29-F687-4f45-9708-019B960494DF}">
               <a14:hiddenLine xmlns:a14="http://schemas.microsoft.com/office/drawing/2010/main" w="9525">
                 <a:solidFill>
                   <a:srgbClr val="000000"/>
@@ -2096,14 +2097,14 @@
           <a:noFill/>
           <a:ln/>
           <a:extLst>
-            <a:ext uri="{909E8E84-426E-40DD-AFC4-6F175D3DCCD1}">
+            <a:ext uri="{909E8E84-426E-40dd-AFC4-6F175D3DCCD1}">
               <a14:hiddenFill xmlns:a14="http://schemas.microsoft.com/office/drawing/2010/main">
                 <a:solidFill>
                   <a:srgbClr val="FFFFFF"/>
                 </a:solidFill>
               </a14:hiddenFill>
             </a:ext>
-            <a:ext uri="{91240B29-F687-4F45-9708-019B960494DF}">
+            <a:ext uri="{91240B29-F687-4f45-9708-019B960494DF}">
               <a14:hiddenLine xmlns:a14="http://schemas.microsoft.com/office/drawing/2010/main" w="9525">
                 <a:solidFill>
                   <a:srgbClr val="000000"/>
@@ -2114,7 +2115,7 @@
               </a14:hiddenLine>
             </a:ext>
             <a:ext uri="{FAA26D3D-D897-4be2-8F04-BA451C77F1D7}">
-              <ma14:placeholderFlag xmlns:ma14="http://schemas.microsoft.com/office/mac/drawingml/2011/main" xmlns="" val="1"/>
+              <ma14:placeholderFlag xmlns:ma14="http://schemas.microsoft.com/office/mac/drawingml/2011/main" val="1"/>
             </a:ext>
           </a:extLst>
         </p:spPr>
@@ -2167,14 +2168,14 @@
           <a:noFill/>
           <a:ln/>
           <a:extLst>
-            <a:ext uri="{909E8E84-426E-40DD-AFC4-6F175D3DCCD1}">
+            <a:ext uri="{909E8E84-426E-40dd-AFC4-6F175D3DCCD1}">
               <a14:hiddenFill xmlns:a14="http://schemas.microsoft.com/office/drawing/2010/main">
                 <a:solidFill>
                   <a:srgbClr val="FFFFFF"/>
                 </a:solidFill>
               </a14:hiddenFill>
             </a:ext>
-            <a:ext uri="{91240B29-F687-4F45-9708-019B960494DF}">
+            <a:ext uri="{91240B29-F687-4f45-9708-019B960494DF}">
               <a14:hiddenLine xmlns:a14="http://schemas.microsoft.com/office/drawing/2010/main" w="9525">
                 <a:solidFill>
                   <a:srgbClr val="000000"/>
@@ -2346,14 +2347,14 @@
           <a:noFill/>
           <a:ln/>
           <a:extLst>
-            <a:ext uri="{909E8E84-426E-40DD-AFC4-6F175D3DCCD1}">
+            <a:ext uri="{909E8E84-426E-40dd-AFC4-6F175D3DCCD1}">
               <a14:hiddenFill xmlns:a14="http://schemas.microsoft.com/office/drawing/2010/main">
                 <a:solidFill>
                   <a:srgbClr val="FFFFFF"/>
                 </a:solidFill>
               </a14:hiddenFill>
             </a:ext>
-            <a:ext uri="{91240B29-F687-4F45-9708-019B960494DF}">
+            <a:ext uri="{91240B29-F687-4f45-9708-019B960494DF}">
               <a14:hiddenLine xmlns:a14="http://schemas.microsoft.com/office/drawing/2010/main" w="9525">
                 <a:solidFill>
                   <a:srgbClr val="000000"/>
@@ -2364,7 +2365,7 @@
               </a14:hiddenLine>
             </a:ext>
             <a:ext uri="{FAA26D3D-D897-4be2-8F04-BA451C77F1D7}">
-              <ma14:placeholderFlag xmlns:ma14="http://schemas.microsoft.com/office/mac/drawingml/2011/main" xmlns="" val="1"/>
+              <ma14:placeholderFlag xmlns:ma14="http://schemas.microsoft.com/office/mac/drawingml/2011/main" val="1"/>
             </a:ext>
           </a:extLst>
         </p:spPr>
@@ -2417,14 +2418,14 @@
           <a:noFill/>
           <a:ln/>
           <a:extLst>
-            <a:ext uri="{909E8E84-426E-40DD-AFC4-6F175D3DCCD1}">
+            <a:ext uri="{909E8E84-426E-40dd-AFC4-6F175D3DCCD1}">
               <a14:hiddenFill xmlns:a14="http://schemas.microsoft.com/office/drawing/2010/main">
                 <a:solidFill>
                   <a:srgbClr val="FFFFFF"/>
                 </a:solidFill>
               </a14:hiddenFill>
             </a:ext>
-            <a:ext uri="{91240B29-F687-4F45-9708-019B960494DF}">
+            <a:ext uri="{91240B29-F687-4f45-9708-019B960494DF}">
               <a14:hiddenLine xmlns:a14="http://schemas.microsoft.com/office/drawing/2010/main" w="9525">
                 <a:solidFill>
                   <a:srgbClr val="000000"/>
@@ -2596,14 +2597,14 @@
           <a:noFill/>
           <a:ln/>
           <a:extLst>
-            <a:ext uri="{909E8E84-426E-40DD-AFC4-6F175D3DCCD1}">
+            <a:ext uri="{909E8E84-426E-40dd-AFC4-6F175D3DCCD1}">
               <a14:hiddenFill xmlns:a14="http://schemas.microsoft.com/office/drawing/2010/main">
                 <a:solidFill>
                   <a:srgbClr val="FFFFFF"/>
                 </a:solidFill>
               </a14:hiddenFill>
             </a:ext>
-            <a:ext uri="{91240B29-F687-4F45-9708-019B960494DF}">
+            <a:ext uri="{91240B29-F687-4f45-9708-019B960494DF}">
               <a14:hiddenLine xmlns:a14="http://schemas.microsoft.com/office/drawing/2010/main" w="9525">
                 <a:solidFill>
                   <a:srgbClr val="000000"/>
@@ -2614,7 +2615,7 @@
               </a14:hiddenLine>
             </a:ext>
             <a:ext uri="{FAA26D3D-D897-4be2-8F04-BA451C77F1D7}">
-              <ma14:placeholderFlag xmlns:ma14="http://schemas.microsoft.com/office/mac/drawingml/2011/main" xmlns="" val="1"/>
+              <ma14:placeholderFlag xmlns:ma14="http://schemas.microsoft.com/office/mac/drawingml/2011/main" val="1"/>
             </a:ext>
           </a:extLst>
         </p:spPr>
@@ -2667,14 +2668,14 @@
           <a:noFill/>
           <a:ln/>
           <a:extLst>
-            <a:ext uri="{909E8E84-426E-40DD-AFC4-6F175D3DCCD1}">
+            <a:ext uri="{909E8E84-426E-40dd-AFC4-6F175D3DCCD1}">
               <a14:hiddenFill xmlns:a14="http://schemas.microsoft.com/office/drawing/2010/main">
                 <a:solidFill>
                   <a:srgbClr val="FFFFFF"/>
                 </a:solidFill>
               </a14:hiddenFill>
             </a:ext>
-            <a:ext uri="{91240B29-F687-4F45-9708-019B960494DF}">
+            <a:ext uri="{91240B29-F687-4f45-9708-019B960494DF}">
               <a14:hiddenLine xmlns:a14="http://schemas.microsoft.com/office/drawing/2010/main" w="9525">
                 <a:solidFill>
                   <a:srgbClr val="000000"/>
@@ -2846,14 +2847,14 @@
           <a:noFill/>
           <a:ln/>
           <a:extLst>
-            <a:ext uri="{909E8E84-426E-40DD-AFC4-6F175D3DCCD1}">
+            <a:ext uri="{909E8E84-426E-40dd-AFC4-6F175D3DCCD1}">
               <a14:hiddenFill xmlns:a14="http://schemas.microsoft.com/office/drawing/2010/main">
                 <a:solidFill>
                   <a:srgbClr val="FFFFFF"/>
                 </a:solidFill>
               </a14:hiddenFill>
             </a:ext>
-            <a:ext uri="{91240B29-F687-4F45-9708-019B960494DF}">
+            <a:ext uri="{91240B29-F687-4f45-9708-019B960494DF}">
               <a14:hiddenLine xmlns:a14="http://schemas.microsoft.com/office/drawing/2010/main" w="9525">
                 <a:solidFill>
                   <a:srgbClr val="000000"/>
@@ -2864,7 +2865,7 @@
               </a14:hiddenLine>
             </a:ext>
             <a:ext uri="{FAA26D3D-D897-4be2-8F04-BA451C77F1D7}">
-              <ma14:placeholderFlag xmlns:ma14="http://schemas.microsoft.com/office/mac/drawingml/2011/main" xmlns="" val="1"/>
+              <ma14:placeholderFlag xmlns:ma14="http://schemas.microsoft.com/office/mac/drawingml/2011/main" val="1"/>
             </a:ext>
           </a:extLst>
         </p:spPr>
@@ -2917,14 +2918,14 @@
           <a:noFill/>
           <a:ln/>
           <a:extLst>
-            <a:ext uri="{909E8E84-426E-40DD-AFC4-6F175D3DCCD1}">
+            <a:ext uri="{909E8E84-426E-40dd-AFC4-6F175D3DCCD1}">
               <a14:hiddenFill xmlns:a14="http://schemas.microsoft.com/office/drawing/2010/main">
                 <a:solidFill>
                   <a:srgbClr val="FFFFFF"/>
                 </a:solidFill>
               </a14:hiddenFill>
             </a:ext>
-            <a:ext uri="{91240B29-F687-4F45-9708-019B960494DF}">
+            <a:ext uri="{91240B29-F687-4f45-9708-019B960494DF}">
               <a14:hiddenLine xmlns:a14="http://schemas.microsoft.com/office/drawing/2010/main" w="9525">
                 <a:solidFill>
                   <a:srgbClr val="000000"/>
@@ -3096,14 +3097,14 @@
           <a:noFill/>
           <a:ln/>
           <a:extLst>
-            <a:ext uri="{909E8E84-426E-40DD-AFC4-6F175D3DCCD1}">
+            <a:ext uri="{909E8E84-426E-40dd-AFC4-6F175D3DCCD1}">
               <a14:hiddenFill xmlns:a14="http://schemas.microsoft.com/office/drawing/2010/main">
                 <a:solidFill>
                   <a:srgbClr val="FFFFFF"/>
                 </a:solidFill>
               </a14:hiddenFill>
             </a:ext>
-            <a:ext uri="{91240B29-F687-4F45-9708-019B960494DF}">
+            <a:ext uri="{91240B29-F687-4f45-9708-019B960494DF}">
               <a14:hiddenLine xmlns:a14="http://schemas.microsoft.com/office/drawing/2010/main" w="9525">
                 <a:solidFill>
                   <a:srgbClr val="000000"/>
@@ -3114,7 +3115,7 @@
               </a14:hiddenLine>
             </a:ext>
             <a:ext uri="{FAA26D3D-D897-4be2-8F04-BA451C77F1D7}">
-              <ma14:placeholderFlag xmlns:ma14="http://schemas.microsoft.com/office/mac/drawingml/2011/main" xmlns="" val="1"/>
+              <ma14:placeholderFlag xmlns:ma14="http://schemas.microsoft.com/office/mac/drawingml/2011/main" val="1"/>
             </a:ext>
           </a:extLst>
         </p:spPr>
@@ -3167,14 +3168,14 @@
           <a:noFill/>
           <a:ln/>
           <a:extLst>
-            <a:ext uri="{909E8E84-426E-40DD-AFC4-6F175D3DCCD1}">
+            <a:ext uri="{909E8E84-426E-40dd-AFC4-6F175D3DCCD1}">
               <a14:hiddenFill xmlns:a14="http://schemas.microsoft.com/office/drawing/2010/main">
                 <a:solidFill>
                   <a:srgbClr val="FFFFFF"/>
                 </a:solidFill>
               </a14:hiddenFill>
             </a:ext>
-            <a:ext uri="{91240B29-F687-4F45-9708-019B960494DF}">
+            <a:ext uri="{91240B29-F687-4f45-9708-019B960494DF}">
               <a14:hiddenLine xmlns:a14="http://schemas.microsoft.com/office/drawing/2010/main" w="9525">
                 <a:solidFill>
                   <a:srgbClr val="000000"/>
@@ -3346,14 +3347,14 @@
           <a:noFill/>
           <a:ln/>
           <a:extLst>
-            <a:ext uri="{909E8E84-426E-40DD-AFC4-6F175D3DCCD1}">
+            <a:ext uri="{909E8E84-426E-40dd-AFC4-6F175D3DCCD1}">
               <a14:hiddenFill xmlns:a14="http://schemas.microsoft.com/office/drawing/2010/main">
                 <a:solidFill>
                   <a:srgbClr val="FFFFFF"/>
                 </a:solidFill>
               </a14:hiddenFill>
             </a:ext>
-            <a:ext uri="{91240B29-F687-4F45-9708-019B960494DF}">
+            <a:ext uri="{91240B29-F687-4f45-9708-019B960494DF}">
               <a14:hiddenLine xmlns:a14="http://schemas.microsoft.com/office/drawing/2010/main" w="9525">
                 <a:solidFill>
                   <a:srgbClr val="000000"/>
@@ -3364,7 +3365,7 @@
               </a14:hiddenLine>
             </a:ext>
             <a:ext uri="{FAA26D3D-D897-4be2-8F04-BA451C77F1D7}">
-              <ma14:placeholderFlag xmlns:ma14="http://schemas.microsoft.com/office/mac/drawingml/2011/main" xmlns="" val="1"/>
+              <ma14:placeholderFlag xmlns:ma14="http://schemas.microsoft.com/office/mac/drawingml/2011/main" val="1"/>
             </a:ext>
           </a:extLst>
         </p:spPr>
@@ -3417,14 +3418,14 @@
           <a:noFill/>
           <a:ln/>
           <a:extLst>
-            <a:ext uri="{909E8E84-426E-40DD-AFC4-6F175D3DCCD1}">
+            <a:ext uri="{909E8E84-426E-40dd-AFC4-6F175D3DCCD1}">
               <a14:hiddenFill xmlns:a14="http://schemas.microsoft.com/office/drawing/2010/main">
                 <a:solidFill>
                   <a:srgbClr val="FFFFFF"/>
                 </a:solidFill>
               </a14:hiddenFill>
             </a:ext>
-            <a:ext uri="{91240B29-F687-4F45-9708-019B960494DF}">
+            <a:ext uri="{91240B29-F687-4f45-9708-019B960494DF}">
               <a14:hiddenLine xmlns:a14="http://schemas.microsoft.com/office/drawing/2010/main" w="9525">
                 <a:solidFill>
                   <a:srgbClr val="000000"/>
@@ -3596,14 +3597,14 @@
           <a:noFill/>
           <a:ln/>
           <a:extLst>
-            <a:ext uri="{909E8E84-426E-40DD-AFC4-6F175D3DCCD1}">
+            <a:ext uri="{909E8E84-426E-40dd-AFC4-6F175D3DCCD1}">
               <a14:hiddenFill xmlns:a14="http://schemas.microsoft.com/office/drawing/2010/main">
                 <a:solidFill>
                   <a:srgbClr val="FFFFFF"/>
                 </a:solidFill>
               </a14:hiddenFill>
             </a:ext>
-            <a:ext uri="{91240B29-F687-4F45-9708-019B960494DF}">
+            <a:ext uri="{91240B29-F687-4f45-9708-019B960494DF}">
               <a14:hiddenLine xmlns:a14="http://schemas.microsoft.com/office/drawing/2010/main" w="9525">
                 <a:solidFill>
                   <a:srgbClr val="000000"/>
@@ -3614,7 +3615,7 @@
               </a14:hiddenLine>
             </a:ext>
             <a:ext uri="{FAA26D3D-D897-4be2-8F04-BA451C77F1D7}">
-              <ma14:placeholderFlag xmlns:ma14="http://schemas.microsoft.com/office/mac/drawingml/2011/main" xmlns="" val="1"/>
+              <ma14:placeholderFlag xmlns:ma14="http://schemas.microsoft.com/office/mac/drawingml/2011/main" val="1"/>
             </a:ext>
           </a:extLst>
         </p:spPr>
@@ -3717,7 +3718,7 @@
             <a:tailEnd/>
           </a:ln>
           <a:extLst>
-            <a:ext uri="{909E8E84-426E-40DD-AFC4-6F175D3DCCD1}">
+            <a:ext uri="{909E8E84-426E-40dd-AFC4-6F175D3DCCD1}">
               <a14:hiddenFill xmlns:a14="http://schemas.microsoft.com/office/drawing/2010/main">
                 <a:solidFill>
                   <a:srgbClr val="FFFFFF"/>
@@ -3760,7 +3761,7 @@
             <a:tailEnd/>
           </a:ln>
           <a:extLst>
-            <a:ext uri="{909E8E84-426E-40DD-AFC4-6F175D3DCCD1}">
+            <a:ext uri="{909E8E84-426E-40dd-AFC4-6F175D3DCCD1}">
               <a14:hiddenFill xmlns:a14="http://schemas.microsoft.com/office/drawing/2010/main">
                 <a:noFill/>
               </a14:hiddenFill>
@@ -3860,7 +3861,7 @@
           <a:p>
             <a:fld id="{6D56033E-741F-2148-98F4-CC4A24C09C31}" type="datetime1">
               <a:rPr lang="en-US" smtClean="0"/>
-              <a:t>2/8/2017</a:t>
+              <a:t>2/9/17</a:t>
             </a:fld>
             <a:endParaRPr lang="en-US"/>
           </a:p>
@@ -4057,7 +4058,7 @@
           <a:p>
             <a:fld id="{D803ACAE-9CAC-E94E-92E6-344563536091}" type="datetime1">
               <a:rPr lang="en-US" smtClean="0"/>
-              <a:t>2/8/2017</a:t>
+              <a:t>2/9/17</a:t>
             </a:fld>
             <a:endParaRPr lang="en-US"/>
           </a:p>
@@ -4263,7 +4264,7 @@
           <a:p>
             <a:fld id="{2707AF55-30C4-4D41-8675-1504B986CF87}" type="datetime1">
               <a:rPr lang="en-US" smtClean="0"/>
-              <a:t>2/8/2017</a:t>
+              <a:t>2/9/17</a:t>
             </a:fld>
             <a:endParaRPr lang="en-US"/>
           </a:p>
@@ -4526,7 +4527,7 @@
           <a:p>
             <a:fld id="{B6067B9D-B505-8045-9F59-0E8C33A48538}" type="datetime1">
               <a:rPr lang="en-US" smtClean="0"/>
-              <a:t>2/8/2017</a:t>
+              <a:t>2/9/17</a:t>
             </a:fld>
             <a:endParaRPr lang="en-US"/>
           </a:p>
@@ -4789,7 +4790,7 @@
           <a:p>
             <a:fld id="{93E9B0E2-9247-FC4C-AEEE-0DF56580557D}" type="datetime1">
               <a:rPr lang="en-US" smtClean="0"/>
-              <a:t>2/8/2017</a:t>
+              <a:t>2/9/17</a:t>
             </a:fld>
             <a:endParaRPr lang="en-US"/>
           </a:p>
@@ -4985,7 +4986,7 @@
           <a:p>
             <a:fld id="{201FD726-068E-9B43-B65C-60661888B09B}" type="datetime1">
               <a:rPr lang="en-US" smtClean="0"/>
-              <a:t>2/8/2017</a:t>
+              <a:t>2/9/17</a:t>
             </a:fld>
             <a:endParaRPr lang="en-US"/>
           </a:p>
@@ -5203,7 +5204,7 @@
           <a:p>
             <a:fld id="{7129566D-B49D-ED46-A125-C2BF7F355922}" type="datetime1">
               <a:rPr lang="en-US" smtClean="0"/>
-              <a:t>2/8/2017</a:t>
+              <a:t>2/9/17</a:t>
             </a:fld>
             <a:endParaRPr lang="en-US"/>
           </a:p>
@@ -5517,7 +5518,7 @@
           <a:p>
             <a:fld id="{0D674D9F-1653-6649-9B1F-C0E8218E1843}" type="datetime1">
               <a:rPr lang="en-US" smtClean="0"/>
-              <a:t>2/8/2017</a:t>
+              <a:t>2/9/17</a:t>
             </a:fld>
             <a:endParaRPr lang="en-US"/>
           </a:p>
@@ -5970,7 +5971,7 @@
           <a:p>
             <a:fld id="{ACA2B6AB-382C-4843-94EA-4B1A3C1A303E}" type="datetime1">
               <a:rPr lang="en-US" smtClean="0"/>
-              <a:t>2/8/2017</a:t>
+              <a:t>2/9/17</a:t>
             </a:fld>
             <a:endParaRPr lang="en-US"/>
           </a:p>
@@ -6114,7 +6115,7 @@
           <a:p>
             <a:fld id="{4D3645A9-085E-B344-9EA1-5CF1D86B92E9}" type="datetime1">
               <a:rPr lang="en-US" smtClean="0"/>
-              <a:t>2/8/2017</a:t>
+              <a:t>2/9/17</a:t>
             </a:fld>
             <a:endParaRPr lang="en-US"/>
           </a:p>
@@ -6235,7 +6236,7 @@
           <a:p>
             <a:fld id="{F7DF5C2C-D807-DF47-AE64-FB5BFF3519A0}" type="datetime1">
               <a:rPr lang="en-US" smtClean="0"/>
-              <a:t>2/8/2017</a:t>
+              <a:t>2/9/17</a:t>
             </a:fld>
             <a:endParaRPr lang="en-US"/>
           </a:p>
@@ -6538,7 +6539,7 @@
           <a:p>
             <a:fld id="{577BC516-13F0-E94E-9295-E8F67941CE8B}" type="datetime1">
               <a:rPr lang="en-US" smtClean="0"/>
-              <a:t>2/8/2017</a:t>
+              <a:t>2/9/17</a:t>
             </a:fld>
             <a:endParaRPr lang="en-US"/>
           </a:p>
@@ -6818,7 +6819,7 @@
           <a:p>
             <a:fld id="{7C99A696-B6E3-6E48-A132-FADBB7A64EE6}" type="datetime1">
               <a:rPr lang="en-US" smtClean="0"/>
-              <a:t>2/8/2017</a:t>
+              <a:t>2/9/17</a:t>
             </a:fld>
             <a:endParaRPr lang="en-US"/>
           </a:p>
@@ -6947,14 +6948,14 @@
             <a:noFill/>
           </a:ln>
           <a:extLst>
-            <a:ext uri="{909E8E84-426E-40DD-AFC4-6F175D3DCCD1}">
+            <a:ext uri="{909E8E84-426E-40dd-AFC4-6F175D3DCCD1}">
               <a14:hiddenFill xmlns:a14="http://schemas.microsoft.com/office/drawing/2010/main">
                 <a:solidFill>
                   <a:srgbClr val="FFFFFF"/>
                 </a:solidFill>
               </a14:hiddenFill>
             </a:ext>
-            <a:ext uri="{91240B29-F687-4F45-9708-019B960494DF}">
+            <a:ext uri="{91240B29-F687-4f45-9708-019B960494DF}">
               <a14:hiddenLine xmlns:a14="http://schemas.microsoft.com/office/drawing/2010/main" w="9525">
                 <a:solidFill>
                   <a:srgbClr val="000000"/>
@@ -6965,7 +6966,7 @@
               </a14:hiddenLine>
             </a:ext>
             <a:ext uri="{FAA26D3D-D897-4be2-8F04-BA451C77F1D7}">
-              <ma14:placeholderFlag xmlns:ma14="http://schemas.microsoft.com/office/mac/drawingml/2011/main" xmlns="" val="1"/>
+              <ma14:placeholderFlag xmlns:ma14="http://schemas.microsoft.com/office/mac/drawingml/2011/main" val="1"/>
             </a:ext>
           </a:extLst>
         </p:spPr>
@@ -7008,14 +7009,14 @@
             <a:noFill/>
           </a:ln>
           <a:extLst>
-            <a:ext uri="{909E8E84-426E-40DD-AFC4-6F175D3DCCD1}">
+            <a:ext uri="{909E8E84-426E-40dd-AFC4-6F175D3DCCD1}">
               <a14:hiddenFill xmlns:a14="http://schemas.microsoft.com/office/drawing/2010/main">
                 <a:solidFill>
                   <a:srgbClr val="FFFFFF"/>
                 </a:solidFill>
               </a14:hiddenFill>
             </a:ext>
-            <a:ext uri="{91240B29-F687-4F45-9708-019B960494DF}">
+            <a:ext uri="{91240B29-F687-4f45-9708-019B960494DF}">
               <a14:hiddenLine xmlns:a14="http://schemas.microsoft.com/office/drawing/2010/main" w="9525">
                 <a:solidFill>
                   <a:srgbClr val="000000"/>
@@ -7026,7 +7027,7 @@
               </a14:hiddenLine>
             </a:ext>
             <a:ext uri="{FAA26D3D-D897-4be2-8F04-BA451C77F1D7}">
-              <ma14:placeholderFlag xmlns:ma14="http://schemas.microsoft.com/office/mac/drawingml/2011/main" xmlns="" val="1"/>
+              <ma14:placeholderFlag xmlns:ma14="http://schemas.microsoft.com/office/mac/drawingml/2011/main" val="1"/>
             </a:ext>
           </a:extLst>
         </p:spPr>
@@ -7117,7 +7118,7 @@
           <a:p>
             <a:fld id="{D745031A-7D59-8149-9F41-492B5EC4AEEF}" type="datetime1">
               <a:rPr lang="en-US" smtClean="0"/>
-              <a:t>2/8/2017</a:t>
+              <a:t>2/9/17</a:t>
             </a:fld>
             <a:endParaRPr lang="en-US"/>
           </a:p>
@@ -7291,7 +7292,7 @@
             <a:tailEnd/>
           </a:ln>
           <a:extLst>
-            <a:ext uri="{909E8E84-426E-40DD-AFC4-6F175D3DCCD1}">
+            <a:ext uri="{909E8E84-426E-40dd-AFC4-6F175D3DCCD1}">
               <a14:hiddenFill xmlns:a14="http://schemas.microsoft.com/office/drawing/2010/main">
                 <a:solidFill>
                   <a:srgbClr val="FFFFFF"/>
@@ -7334,7 +7335,7 @@
             <a:tailEnd/>
           </a:ln>
           <a:extLst>
-            <a:ext uri="{909E8E84-426E-40DD-AFC4-6F175D3DCCD1}">
+            <a:ext uri="{909E8E84-426E-40dd-AFC4-6F175D3DCCD1}">
               <a14:hiddenFill xmlns:a14="http://schemas.microsoft.com/office/drawing/2010/main">
                 <a:noFill/>
               </a14:hiddenFill>
@@ -7370,7 +7371,7 @@
   <p:timing>
     <p:tnLst>
       <p:par>
-        <p:cTn id="1" dur="indefinite" restart="never" nodeType="tmRoot"/>
+        <p:cTn xmlns:p14="http://schemas.microsoft.com/office/powerpoint/2010/main" id="1" dur="indefinite" restart="never" nodeType="tmRoot"/>
       </p:par>
     </p:tnLst>
   </p:timing>
@@ -8033,7 +8034,7 @@
   <p:timing>
     <p:tnLst>
       <p:par>
-        <p:cTn id="1" dur="indefinite" restart="never" nodeType="tmRoot"/>
+        <p:cTn xmlns:p14="http://schemas.microsoft.com/office/powerpoint/2010/main" id="1" dur="indefinite" restart="never" nodeType="tmRoot"/>
       </p:par>
     </p:tnLst>
   </p:timing>
@@ -8217,7 +8218,7 @@
           <a:p>
             <a:fld id="{201FD726-068E-9B43-B65C-60661888B09B}" type="datetime1">
               <a:rPr lang="en-US" smtClean="0"/>
-              <a:t>2/8/2017</a:t>
+              <a:t>2/9/17</a:t>
             </a:fld>
             <a:endParaRPr lang="en-US"/>
           </a:p>
@@ -8286,7 +8287,7 @@
   <p:timing>
     <p:tnLst>
       <p:par>
-        <p:cTn id="1" dur="indefinite" restart="never" nodeType="tmRoot"/>
+        <p:cTn xmlns:p14="http://schemas.microsoft.com/office/powerpoint/2010/main" id="1" dur="indefinite" restart="never" nodeType="tmRoot"/>
       </p:par>
     </p:tnLst>
   </p:timing>
@@ -8414,7 +8415,7 @@
           <a:p>
             <a:fld id="{201FD726-068E-9B43-B65C-60661888B09B}" type="datetime1">
               <a:rPr lang="en-US" smtClean="0"/>
-              <a:t>2/8/2017</a:t>
+              <a:t>2/9/17</a:t>
             </a:fld>
             <a:endParaRPr lang="en-US"/>
           </a:p>
@@ -8483,7 +8484,7 @@
   <p:timing>
     <p:tnLst>
       <p:par>
-        <p:cTn id="1" dur="indefinite" restart="never" nodeType="tmRoot"/>
+        <p:cTn xmlns:p14="http://schemas.microsoft.com/office/powerpoint/2010/main" id="1" dur="indefinite" restart="never" nodeType="tmRoot"/>
       </p:par>
     </p:tnLst>
   </p:timing>
@@ -8627,7 +8628,7 @@
           <a:p>
             <a:fld id="{201FD726-068E-9B43-B65C-60661888B09B}" type="datetime1">
               <a:rPr lang="en-US" smtClean="0"/>
-              <a:t>2/8/2017</a:t>
+              <a:t>2/9/17</a:t>
             </a:fld>
             <a:endParaRPr lang="en-US"/>
           </a:p>
@@ -8696,7 +8697,7 @@
   <p:timing>
     <p:tnLst>
       <p:par>
-        <p:cTn id="1" dur="indefinite" restart="never" nodeType="tmRoot"/>
+        <p:cTn xmlns:p14="http://schemas.microsoft.com/office/powerpoint/2010/main" id="1" dur="indefinite" restart="never" nodeType="tmRoot"/>
       </p:par>
     </p:tnLst>
   </p:timing>
@@ -8846,7 +8847,7 @@
           <a:p>
             <a:fld id="{201FD726-068E-9B43-B65C-60661888B09B}" type="datetime1">
               <a:rPr lang="en-US" smtClean="0"/>
-              <a:t>2/8/2017</a:t>
+              <a:t>2/9/17</a:t>
             </a:fld>
             <a:endParaRPr lang="en-US"/>
           </a:p>
@@ -8915,7 +8916,7 @@
   <p:timing>
     <p:tnLst>
       <p:par>
-        <p:cTn id="1" dur="indefinite" restart="never" nodeType="tmRoot"/>
+        <p:cTn xmlns:p14="http://schemas.microsoft.com/office/powerpoint/2010/main" id="1" dur="indefinite" restart="never" nodeType="tmRoot"/>
       </p:par>
     </p:tnLst>
   </p:timing>
@@ -9415,7 +9416,7 @@
           <a:p>
             <a:fld id="{201FD726-068E-9B43-B65C-60661888B09B}" type="datetime1">
               <a:rPr lang="en-US" smtClean="0"/>
-              <a:t>2/8/2017</a:t>
+              <a:t>2/9/17</a:t>
             </a:fld>
             <a:endParaRPr lang="en-US"/>
           </a:p>
@@ -9484,7 +9485,7 @@
   <p:timing>
     <p:tnLst>
       <p:par>
-        <p:cTn id="1" dur="indefinite" restart="never" nodeType="tmRoot"/>
+        <p:cTn xmlns:p14="http://schemas.microsoft.com/office/powerpoint/2010/main" id="1" dur="indefinite" restart="never" nodeType="tmRoot"/>
       </p:par>
     </p:tnLst>
   </p:timing>
@@ -9952,7 +9953,7 @@
           <a:p>
             <a:fld id="{201FD726-068E-9B43-B65C-60661888B09B}" type="datetime1">
               <a:rPr lang="en-US" smtClean="0"/>
-              <a:t>2/8/2017</a:t>
+              <a:t>2/9/17</a:t>
             </a:fld>
             <a:endParaRPr lang="en-US"/>
           </a:p>
@@ -10021,7 +10022,7 @@
   <p:timing>
     <p:tnLst>
       <p:par>
-        <p:cTn id="1" dur="indefinite" restart="never" nodeType="tmRoot"/>
+        <p:cTn xmlns:p14="http://schemas.microsoft.com/office/powerpoint/2010/main" id="1" dur="indefinite" restart="never" nodeType="tmRoot"/>
       </p:par>
     </p:tnLst>
   </p:timing>
@@ -10189,7 +10190,7 @@
           <a:p>
             <a:fld id="{0D674D9F-1653-6649-9B1F-C0E8218E1843}" type="datetime1">
               <a:rPr lang="en-US" smtClean="0"/>
-              <a:t>2/8/2017</a:t>
+              <a:t>2/9/17</a:t>
             </a:fld>
             <a:endParaRPr lang="en-US"/>
           </a:p>
@@ -10258,7 +10259,7 @@
   <p:timing>
     <p:tnLst>
       <p:par>
-        <p:cTn id="1" dur="indefinite" restart="never" nodeType="tmRoot"/>
+        <p:cTn xmlns:p14="http://schemas.microsoft.com/office/powerpoint/2010/main" id="1" dur="indefinite" restart="never" nodeType="tmRoot"/>
       </p:par>
     </p:tnLst>
   </p:timing>
@@ -10487,7 +10488,7 @@
           <a:p>
             <a:fld id="{201FD726-068E-9B43-B65C-60661888B09B}" type="datetime1">
               <a:rPr lang="en-US" smtClean="0"/>
-              <a:t>2/8/2017</a:t>
+              <a:t>2/9/17</a:t>
             </a:fld>
             <a:endParaRPr lang="en-US"/>
           </a:p>
@@ -10556,7 +10557,7 @@
   <p:timing>
     <p:tnLst>
       <p:par>
-        <p:cTn id="1" dur="indefinite" restart="never" nodeType="tmRoot"/>
+        <p:cTn xmlns:p14="http://schemas.microsoft.com/office/powerpoint/2010/main" id="1" dur="indefinite" restart="never" nodeType="tmRoot"/>
       </p:par>
     </p:tnLst>
   </p:timing>
@@ -10682,7 +10683,7 @@
           <a:p>
             <a:fld id="{201FD726-068E-9B43-B65C-60661888B09B}" type="datetime1">
               <a:rPr lang="en-US" smtClean="0"/>
-              <a:t>2/8/2017</a:t>
+              <a:t>2/9/17</a:t>
             </a:fld>
             <a:endParaRPr lang="en-US"/>
           </a:p>
@@ -10751,7 +10752,7 @@
   <p:timing>
     <p:tnLst>
       <p:par>
-        <p:cTn id="1" dur="indefinite" restart="never" nodeType="tmRoot"/>
+        <p:cTn xmlns:p14="http://schemas.microsoft.com/office/powerpoint/2010/main" id="1" dur="indefinite" restart="never" nodeType="tmRoot"/>
       </p:par>
     </p:tnLst>
   </p:timing>
@@ -10947,7 +10948,7 @@
           <a:p>
             <a:fld id="{201FD726-068E-9B43-B65C-60661888B09B}" type="datetime1">
               <a:rPr lang="en-US" smtClean="0"/>
-              <a:t>2/8/2017</a:t>
+              <a:t>2/9/17</a:t>
             </a:fld>
             <a:endParaRPr lang="en-US"/>
           </a:p>
@@ -11016,7 +11017,7 @@
   <p:timing>
     <p:tnLst>
       <p:par>
-        <p:cTn id="1" dur="indefinite" restart="never" nodeType="tmRoot"/>
+        <p:cTn xmlns:p14="http://schemas.microsoft.com/office/powerpoint/2010/main" id="1" dur="indefinite" restart="never" nodeType="tmRoot"/>
       </p:par>
     </p:tnLst>
   </p:timing>
@@ -11165,11 +11166,7 @@
             <a:pPr lvl="2"/>
             <a:r>
               <a:rPr lang="en-US" dirty="0" smtClean="0"/>
-              <a:t>Low-level atomic </a:t>
-            </a:r>
-            <a:r>
-              <a:rPr lang="en-US" dirty="0" smtClean="0"/>
-              <a:t>operations</a:t>
+              <a:t>Low-level atomic operations</a:t>
             </a:r>
           </a:p>
           <a:p>
@@ -11317,7 +11314,7 @@
                 <a:latin typeface="Garamond"/>
                 <a:cs typeface="Garamond"/>
               </a:rPr>
-              <a:t>2/8/2017</a:t>
+              <a:t>2/9/17</a:t>
             </a:fld>
             <a:endParaRPr lang="en-US" dirty="0">
               <a:latin typeface="Garamond"/>
@@ -11502,7 +11499,7 @@
   <p:timing>
     <p:tnLst>
       <p:par>
-        <p:cTn id="1" dur="indefinite" restart="never" nodeType="tmRoot"/>
+        <p:cTn xmlns:p14="http://schemas.microsoft.com/office/powerpoint/2010/main" id="1" dur="indefinite" restart="never" nodeType="tmRoot"/>
       </p:par>
     </p:tnLst>
   </p:timing>
@@ -11875,7 +11872,7 @@
           <a:p>
             <a:fld id="{201FD726-068E-9B43-B65C-60661888B09B}" type="datetime1">
               <a:rPr lang="en-US" smtClean="0"/>
-              <a:t>2/8/2017</a:t>
+              <a:t>2/9/17</a:t>
             </a:fld>
             <a:endParaRPr lang="en-US"/>
           </a:p>
@@ -11944,7 +11941,7 @@
   <p:timing>
     <p:tnLst>
       <p:par>
-        <p:cTn id="1" dur="indefinite" restart="never" nodeType="tmRoot"/>
+        <p:cTn xmlns:p14="http://schemas.microsoft.com/office/powerpoint/2010/main" id="1" dur="indefinite" restart="never" nodeType="tmRoot"/>
       </p:par>
     </p:tnLst>
   </p:timing>
@@ -12237,7 +12234,7 @@
   <p:timing>
     <p:tnLst>
       <p:par>
-        <p:cTn id="1" dur="indefinite" restart="never" nodeType="tmRoot"/>
+        <p:cTn xmlns:p14="http://schemas.microsoft.com/office/powerpoint/2010/main" id="1" dur="indefinite" restart="never" nodeType="tmRoot"/>
       </p:par>
     </p:tnLst>
   </p:timing>
@@ -12574,7 +12571,7 @@
   <p:timing>
     <p:tnLst>
       <p:par>
-        <p:cTn id="1" dur="indefinite" restart="never" nodeType="tmRoot"/>
+        <p:cTn xmlns:p14="http://schemas.microsoft.com/office/powerpoint/2010/main" id="1" dur="indefinite" restart="never" nodeType="tmRoot"/>
       </p:par>
     </p:tnLst>
   </p:timing>
@@ -13152,7 +13149,7 @@
   <p:timing>
     <p:tnLst>
       <p:par>
-        <p:cTn id="1" dur="indefinite" restart="never" nodeType="tmRoot"/>
+        <p:cTn xmlns:p14="http://schemas.microsoft.com/office/powerpoint/2010/main" id="1" dur="indefinite" restart="never" nodeType="tmRoot"/>
       </p:par>
     </p:tnLst>
   </p:timing>
@@ -13338,7 +13335,7 @@
           <a:p>
             <a:fld id="{201FD726-068E-9B43-B65C-60661888B09B}" type="datetime1">
               <a:rPr lang="en-US" smtClean="0"/>
-              <a:t>2/8/2017</a:t>
+              <a:t>2/9/17</a:t>
             </a:fld>
             <a:endParaRPr lang="en-US"/>
           </a:p>
@@ -13407,7 +13404,7 @@
   <p:timing>
     <p:tnLst>
       <p:par>
-        <p:cTn id="1" dur="indefinite" restart="never" nodeType="tmRoot"/>
+        <p:cTn xmlns:p14="http://schemas.microsoft.com/office/powerpoint/2010/main" id="1" dur="indefinite" restart="never" nodeType="tmRoot"/>
       </p:par>
     </p:tnLst>
   </p:timing>
@@ -13535,7 +13532,7 @@
           <a:p>
             <a:fld id="{201FD726-068E-9B43-B65C-60661888B09B}" type="datetime1">
               <a:rPr lang="en-US" smtClean="0"/>
-              <a:t>2/8/2017</a:t>
+              <a:t>2/9/17</a:t>
             </a:fld>
             <a:endParaRPr lang="en-US"/>
           </a:p>
@@ -13604,7 +13601,7 @@
   <p:timing>
     <p:tnLst>
       <p:par>
-        <p:cTn id="1" dur="indefinite" restart="never" nodeType="tmRoot"/>
+        <p:cTn xmlns:p14="http://schemas.microsoft.com/office/powerpoint/2010/main" id="1" dur="indefinite" restart="never" nodeType="tmRoot"/>
       </p:par>
     </p:tnLst>
   </p:timing>
@@ -13833,7 +13830,7 @@
           <a:p>
             <a:fld id="{201FD726-068E-9B43-B65C-60661888B09B}" type="datetime1">
               <a:rPr lang="en-US" smtClean="0"/>
-              <a:t>2/8/2017</a:t>
+              <a:t>2/9/17</a:t>
             </a:fld>
             <a:endParaRPr lang="en-US"/>
           </a:p>
@@ -13902,7 +13899,7 @@
   <p:timing>
     <p:tnLst>
       <p:par>
-        <p:cTn id="1" dur="indefinite" restart="never" nodeType="tmRoot"/>
+        <p:cTn xmlns:p14="http://schemas.microsoft.com/office/powerpoint/2010/main" id="1" dur="indefinite" restart="never" nodeType="tmRoot"/>
       </p:par>
     </p:tnLst>
   </p:timing>
@@ -14002,7 +13999,7 @@
           <a:p>
             <a:fld id="{484FC7DC-99C5-B841-BC67-A822311DD890}" type="datetime1">
               <a:rPr lang="en-US" smtClean="0"/>
-              <a:t>2/8/2017</a:t>
+              <a:t>2/9/17</a:t>
             </a:fld>
             <a:endParaRPr lang="en-US"/>
           </a:p>
@@ -14095,7 +14092,7 @@
   <p:timing>
     <p:tnLst>
       <p:par>
-        <p:cTn id="1" dur="indefinite" restart="never" nodeType="tmRoot"/>
+        <p:cTn xmlns:p14="http://schemas.microsoft.com/office/powerpoint/2010/main" id="1" dur="indefinite" restart="never" nodeType="tmRoot"/>
       </p:par>
     </p:tnLst>
   </p:timing>
@@ -14590,7 +14587,7 @@
   <p:timing>
     <p:tnLst>
       <p:par>
-        <p:cTn id="1" dur="indefinite" restart="never" nodeType="tmRoot"/>
+        <p:cTn xmlns:p14="http://schemas.microsoft.com/office/powerpoint/2010/main" id="1" dur="indefinite" restart="never" nodeType="tmRoot"/>
       </p:par>
     </p:tnLst>
   </p:timing>
@@ -15181,7 +15178,7 @@
   <p:timing>
     <p:tnLst>
       <p:par>
-        <p:cTn id="1" dur="indefinite" restart="never" nodeType="tmRoot"/>
+        <p:cTn xmlns:p14="http://schemas.microsoft.com/office/powerpoint/2010/main" id="1" dur="indefinite" restart="never" nodeType="tmRoot"/>
       </p:par>
     </p:tnLst>
   </p:timing>
@@ -15295,7 +15292,7 @@
           <a:p>
             <a:fld id="{2FF36AF8-F039-C24F-BA50-34AEF0FEDE97}" type="datetime1">
               <a:rPr lang="en-US" smtClean="0"/>
-              <a:t>2/8/2017</a:t>
+              <a:t>2/9/17</a:t>
             </a:fld>
             <a:endParaRPr lang="en-US"/>
           </a:p>
@@ -15364,7 +15361,7 @@
   <p:timing>
     <p:tnLst>
       <p:par>
-        <p:cTn id="1" dur="indefinite" restart="never" nodeType="tmRoot"/>
+        <p:cTn xmlns:p14="http://schemas.microsoft.com/office/powerpoint/2010/main" id="1" dur="indefinite" restart="never" nodeType="tmRoot"/>
       </p:par>
     </p:tnLst>
   </p:timing>
@@ -15702,7 +15699,7 @@
   <p:timing>
     <p:tnLst>
       <p:par>
-        <p:cTn id="1" dur="indefinite" restart="never" nodeType="tmRoot"/>
+        <p:cTn xmlns:p14="http://schemas.microsoft.com/office/powerpoint/2010/main" id="1" dur="indefinite" restart="never" nodeType="tmRoot"/>
       </p:par>
     </p:tnLst>
   </p:timing>
@@ -16172,7 +16169,7 @@
   <p:timing>
     <p:tnLst>
       <p:par>
-        <p:cTn id="1" dur="indefinite" restart="never" nodeType="tmRoot"/>
+        <p:cTn xmlns:p14="http://schemas.microsoft.com/office/powerpoint/2010/main" id="1" dur="indefinite" restart="never" nodeType="tmRoot"/>
       </p:par>
     </p:tnLst>
   </p:timing>
@@ -16531,7 +16528,7 @@
   <p:timing>
     <p:tnLst>
       <p:par>
-        <p:cTn id="1" dur="indefinite" restart="never" nodeType="tmRoot"/>
+        <p:cTn xmlns:p14="http://schemas.microsoft.com/office/powerpoint/2010/main" id="1" dur="indefinite" restart="never" nodeType="tmRoot"/>
       </p:par>
     </p:tnLst>
   </p:timing>
@@ -16768,7 +16765,7 @@
           <a:p>
             <a:fld id="{201FD726-068E-9B43-B65C-60661888B09B}" type="datetime1">
               <a:rPr lang="en-US" smtClean="0"/>
-              <a:t>2/8/2017</a:t>
+              <a:t>2/9/17</a:t>
             </a:fld>
             <a:endParaRPr lang="en-US"/>
           </a:p>
@@ -16837,7 +16834,7 @@
   <p:timing>
     <p:tnLst>
       <p:par>
-        <p:cTn id="1" dur="indefinite" restart="never" nodeType="tmRoot"/>
+        <p:cTn xmlns:p14="http://schemas.microsoft.com/office/powerpoint/2010/main" id="1" dur="indefinite" restart="never" nodeType="tmRoot"/>
       </p:par>
     </p:tnLst>
   </p:timing>
@@ -17070,14 +17067,14 @@
             <a:noFill/>
           </a:ln>
           <a:extLst>
-            <a:ext uri="{909E8E84-426E-40DD-AFC4-6F175D3DCCD1}">
+            <a:ext uri="{909E8E84-426E-40dd-AFC4-6F175D3DCCD1}">
               <a14:hiddenFill xmlns:a14="http://schemas.microsoft.com/office/drawing/2010/main">
                 <a:solidFill>
                   <a:srgbClr val="FFFFFF"/>
                 </a:solidFill>
               </a14:hiddenFill>
             </a:ext>
-            <a:ext uri="{91240B29-F687-4F45-9708-019B960494DF}">
+            <a:ext uri="{91240B29-F687-4f45-9708-019B960494DF}">
               <a14:hiddenLine xmlns:a14="http://schemas.microsoft.com/office/drawing/2010/main" w="9525">
                 <a:solidFill>
                   <a:srgbClr val="000000"/>
@@ -17103,7 +17100,7 @@
   <p:timing>
     <p:tnLst>
       <p:par>
-        <p:cTn id="1" dur="indefinite" restart="never" nodeType="tmRoot"/>
+        <p:cTn xmlns:p14="http://schemas.microsoft.com/office/powerpoint/2010/main" id="1" dur="indefinite" restart="never" nodeType="tmRoot"/>
       </p:par>
     </p:tnLst>
   </p:timing>
@@ -17741,7 +17738,7 @@
   <p:timing>
     <p:tnLst>
       <p:par>
-        <p:cTn id="1" dur="indefinite" restart="never" nodeType="tmRoot"/>
+        <p:cTn xmlns:p14="http://schemas.microsoft.com/office/powerpoint/2010/main" id="1" dur="indefinite" restart="never" nodeType="tmRoot"/>
       </p:par>
     </p:tnLst>
   </p:timing>
@@ -17805,7 +17802,7 @@
           <a:p>
             <a:fld id="{201FD726-068E-9B43-B65C-60661888B09B}" type="datetime1">
               <a:rPr lang="en-US" smtClean="0"/>
-              <a:t>2/8/2017</a:t>
+              <a:t>2/9/17</a:t>
             </a:fld>
             <a:endParaRPr lang="en-US"/>
           </a:p>
@@ -17898,7 +17895,7 @@
   <p:timing>
     <p:tnLst>
       <p:par>
-        <p:cTn id="1" dur="indefinite" restart="never" nodeType="tmRoot"/>
+        <p:cTn xmlns:p14="http://schemas.microsoft.com/office/powerpoint/2010/main" id="1" dur="indefinite" restart="never" nodeType="tmRoot"/>
       </p:par>
     </p:tnLst>
   </p:timing>
@@ -18010,7 +18007,7 @@
           <a:p>
             <a:fld id="{201FD726-068E-9B43-B65C-60661888B09B}" type="datetime1">
               <a:rPr lang="en-US" smtClean="0"/>
-              <a:t>2/8/2017</a:t>
+              <a:t>2/9/17</a:t>
             </a:fld>
             <a:endParaRPr lang="en-US"/>
           </a:p>
@@ -18103,7 +18100,7 @@
   <p:timing>
     <p:tnLst>
       <p:par>
-        <p:cTn id="1" dur="indefinite" restart="never" nodeType="tmRoot"/>
+        <p:cTn xmlns:p14="http://schemas.microsoft.com/office/powerpoint/2010/main" id="1" dur="indefinite" restart="never" nodeType="tmRoot"/>
       </p:par>
     </p:tnLst>
   </p:timing>
@@ -18225,7 +18222,7 @@
           <a:p>
             <a:fld id="{201FD726-068E-9B43-B65C-60661888B09B}" type="datetime1">
               <a:rPr lang="en-US" smtClean="0"/>
-              <a:t>2/8/2017</a:t>
+              <a:t>2/9/17</a:t>
             </a:fld>
             <a:endParaRPr lang="en-US"/>
           </a:p>
@@ -18294,7 +18291,7 @@
   <p:timing>
     <p:tnLst>
       <p:par>
-        <p:cTn id="1" dur="indefinite" restart="never" nodeType="tmRoot"/>
+        <p:cTn xmlns:p14="http://schemas.microsoft.com/office/powerpoint/2010/main" id="1" dur="indefinite" restart="never" nodeType="tmRoot"/>
       </p:par>
     </p:tnLst>
   </p:timing>
@@ -18438,7 +18435,7 @@
           <a:p>
             <a:fld id="{201FD726-068E-9B43-B65C-60661888B09B}" type="datetime1">
               <a:rPr lang="en-US" smtClean="0"/>
-              <a:t>2/8/2017</a:t>
+              <a:t>2/9/17</a:t>
             </a:fld>
             <a:endParaRPr lang="en-US"/>
           </a:p>
@@ -18507,7 +18504,7 @@
   <p:timing>
     <p:tnLst>
       <p:par>
-        <p:cTn id="1" dur="indefinite" restart="never" nodeType="tmRoot"/>
+        <p:cTn xmlns:p14="http://schemas.microsoft.com/office/powerpoint/2010/main" id="1" dur="indefinite" restart="never" nodeType="tmRoot"/>
       </p:par>
     </p:tnLst>
   </p:timing>
@@ -18834,7 +18831,7 @@
           <a:p>
             <a:fld id="{BDBF0C10-8F67-3D42-B8BA-F663D6EC7DEA}" type="datetime1">
               <a:rPr lang="en-US" smtClean="0"/>
-              <a:t>2/8/2017</a:t>
+              <a:t>2/9/17</a:t>
             </a:fld>
             <a:endParaRPr lang="en-US"/>
           </a:p>
@@ -18903,7 +18900,7 @@
   <p:timing>
     <p:tnLst>
       <p:par>
-        <p:cTn id="1" dur="indefinite" restart="never" nodeType="tmRoot"/>
+        <p:cTn xmlns:p14="http://schemas.microsoft.com/office/powerpoint/2010/main" id="1" dur="indefinite" restart="never" nodeType="tmRoot"/>
       </p:par>
     </p:tnLst>
   </p:timing>
@@ -19142,7 +19139,7 @@
           <a:p>
             <a:fld id="{201FD726-068E-9B43-B65C-60661888B09B}" type="datetime1">
               <a:rPr lang="en-US" smtClean="0"/>
-              <a:t>2/8/2017</a:t>
+              <a:t>2/9/17</a:t>
             </a:fld>
             <a:endParaRPr lang="en-US"/>
           </a:p>
@@ -19211,7 +19208,7 @@
   <p:timing>
     <p:tnLst>
       <p:par>
-        <p:cTn id="1" dur="indefinite" restart="never" nodeType="tmRoot"/>
+        <p:cTn xmlns:p14="http://schemas.microsoft.com/office/powerpoint/2010/main" id="1" dur="indefinite" restart="never" nodeType="tmRoot"/>
       </p:par>
     </p:tnLst>
   </p:timing>
@@ -19363,7 +19360,7 @@
           <a:p>
             <a:fld id="{201FD726-068E-9B43-B65C-60661888B09B}" type="datetime1">
               <a:rPr lang="en-US" smtClean="0"/>
-              <a:t>2/8/2017</a:t>
+              <a:t>2/9/17</a:t>
             </a:fld>
             <a:endParaRPr lang="en-US"/>
           </a:p>
@@ -19432,7 +19429,7 @@
   <p:timing>
     <p:tnLst>
       <p:par>
-        <p:cTn id="1" dur="indefinite" restart="never" nodeType="tmRoot"/>
+        <p:cTn xmlns:p14="http://schemas.microsoft.com/office/powerpoint/2010/main" id="1" dur="indefinite" restart="never" nodeType="tmRoot"/>
       </p:par>
     </p:tnLst>
   </p:timing>
@@ -19581,7 +19578,7 @@
           <a:p>
             <a:fld id="{201FD726-068E-9B43-B65C-60661888B09B}" type="datetime1">
               <a:rPr lang="en-US" smtClean="0"/>
-              <a:t>2/8/2017</a:t>
+              <a:t>2/9/17</a:t>
             </a:fld>
             <a:endParaRPr lang="en-US"/>
           </a:p>
@@ -19650,7 +19647,7 @@
   <p:timing>
     <p:tnLst>
       <p:par>
-        <p:cTn id="1" dur="indefinite" restart="never" nodeType="tmRoot"/>
+        <p:cTn xmlns:p14="http://schemas.microsoft.com/office/powerpoint/2010/main" id="1" dur="indefinite" restart="never" nodeType="tmRoot"/>
       </p:par>
     </p:tnLst>
   </p:timing>
@@ -19748,11 +19745,7 @@
             </a:r>
             <a:r>
               <a:rPr lang="en-US" smtClean="0"/>
-              <a:t>out </a:t>
-            </a:r>
-            <a:r>
-              <a:rPr lang="en-US" smtClean="0"/>
-              <a:t>$4000</a:t>
+              <a:t>out $4000</a:t>
             </a:r>
             <a:r>
               <a:rPr lang="en-US" dirty="0" smtClean="0"/>
@@ -19781,7 +19774,7 @@
           <a:p>
             <a:fld id="{201FD726-068E-9B43-B65C-60661888B09B}" type="datetime1">
               <a:rPr lang="en-US" smtClean="0"/>
-              <a:t>2/8/2017</a:t>
+              <a:t>2/9/17</a:t>
             </a:fld>
             <a:endParaRPr lang="en-US"/>
           </a:p>
@@ -19850,7 +19843,7 @@
   <p:timing>
     <p:tnLst>
       <p:par>
-        <p:cTn id="1" dur="indefinite" restart="never" nodeType="tmRoot"/>
+        <p:cTn xmlns:p14="http://schemas.microsoft.com/office/powerpoint/2010/main" id="1" dur="indefinite" restart="never" nodeType="tmRoot"/>
       </p:par>
     </p:tnLst>
   </p:timing>
@@ -20012,7 +20005,7 @@
           <a:p>
             <a:fld id="{201FD726-068E-9B43-B65C-60661888B09B}" type="datetime1">
               <a:rPr lang="en-US" smtClean="0"/>
-              <a:t>2/8/2017</a:t>
+              <a:t>2/9/17</a:t>
             </a:fld>
             <a:endParaRPr lang="en-US"/>
           </a:p>
@@ -20081,7 +20074,7 @@
   <p:timing>
     <p:tnLst>
       <p:par>
-        <p:cTn id="1" dur="indefinite" restart="never" nodeType="tmRoot"/>
+        <p:cTn xmlns:p14="http://schemas.microsoft.com/office/powerpoint/2010/main" id="1" dur="indefinite" restart="never" nodeType="tmRoot"/>
       </p:par>
     </p:tnLst>
   </p:timing>
@@ -20316,7 +20309,7 @@
           <a:p>
             <a:fld id="{27AF3FD8-DACD-C845-98DF-08480406992E}" type="datetime1">
               <a:rPr lang="en-US" smtClean="0"/>
-              <a:t>2/8/2017</a:t>
+              <a:t>2/9/17</a:t>
             </a:fld>
             <a:endParaRPr lang="en-US"/>
           </a:p>
@@ -20492,10 +20485,201 @@
   <p:timing>
     <p:tnLst>
       <p:par>
-        <p:cTn id="1" dur="indefinite" restart="never" nodeType="tmRoot"/>
+        <p:cTn xmlns:p14="http://schemas.microsoft.com/office/powerpoint/2010/main" id="1" dur="indefinite" restart="never" nodeType="tmRoot"/>
       </p:par>
     </p:tnLst>
   </p:timing>
+</p:sld>
+</file>
+
+<file path=ppt/slides/slide46.xml><?xml version="1.0" encoding="utf-8"?>
+<p:sld xmlns:a="http://schemas.openxmlformats.org/drawingml/2006/main" xmlns:r="http://schemas.openxmlformats.org/officeDocument/2006/relationships" xmlns:p="http://schemas.openxmlformats.org/presentationml/2006/main">
+  <p:cSld>
+    <p:spTree>
+      <p:nvGrpSpPr>
+        <p:cNvPr id="1" name=""/>
+        <p:cNvGrpSpPr/>
+        <p:nvPr/>
+      </p:nvGrpSpPr>
+      <p:grpSpPr>
+        <a:xfrm>
+          <a:off x="0" y="0"/>
+          <a:ext cx="0" cy="0"/>
+          <a:chOff x="0" y="0"/>
+          <a:chExt cx="0" cy="0"/>
+        </a:xfrm>
+      </p:grpSpPr>
+      <p:sp>
+        <p:nvSpPr>
+          <p:cNvPr id="2" name="Title 1"/>
+          <p:cNvSpPr>
+            <a:spLocks noGrp="1"/>
+          </p:cNvSpPr>
+          <p:nvPr>
+            <p:ph type="title"/>
+          </p:nvPr>
+        </p:nvSpPr>
+        <p:spPr/>
+        <p:txBody>
+          <a:bodyPr/>
+          <a:lstStyle/>
+          <a:p>
+            <a:r>
+              <a:rPr lang="en-US" dirty="0" smtClean="0"/>
+              <a:t>Acknowledgements</a:t>
+            </a:r>
+            <a:endParaRPr lang="en-US" dirty="0"/>
+          </a:p>
+        </p:txBody>
+      </p:sp>
+      <p:sp>
+        <p:nvSpPr>
+          <p:cNvPr id="3" name="Content Placeholder 2"/>
+          <p:cNvSpPr>
+            <a:spLocks noGrp="1"/>
+          </p:cNvSpPr>
+          <p:nvPr>
+            <p:ph idx="1"/>
+          </p:nvPr>
+        </p:nvSpPr>
+        <p:spPr/>
+        <p:txBody>
+          <a:bodyPr/>
+          <a:lstStyle/>
+          <a:p>
+            <a:r>
+              <a:rPr lang="en-US" dirty="0" smtClean="0"/>
+              <a:t>These slides are adapted from the following sources:</a:t>
+            </a:r>
+          </a:p>
+          <a:p>
+            <a:pPr lvl="1"/>
+            <a:r>
+              <a:rPr lang="en-US" dirty="0" err="1" smtClean="0"/>
+              <a:t>Silberschatz</a:t>
+            </a:r>
+            <a:r>
+              <a:rPr lang="en-US" dirty="0" smtClean="0"/>
+              <a:t>, Galvin, &amp; Gagne, </a:t>
+            </a:r>
+            <a:r>
+              <a:rPr lang="en-US" i="1" dirty="0" smtClean="0"/>
+              <a:t>Operating Systems Concepts</a:t>
+            </a:r>
+            <a:r>
+              <a:rPr lang="en-US" dirty="0" smtClean="0"/>
+              <a:t>, 9</a:t>
+            </a:r>
+            <a:r>
+              <a:rPr lang="en-US" baseline="30000" dirty="0" smtClean="0"/>
+              <a:t>th</a:t>
+            </a:r>
+            <a:r>
+              <a:rPr lang="en-US" dirty="0" smtClean="0"/>
+              <a:t> edition</a:t>
+            </a:r>
+          </a:p>
+          <a:p>
+            <a:pPr lvl="1"/>
+            <a:r>
+              <a:rPr lang="en-US" dirty="0" smtClean="0"/>
+              <a:t>Chen &amp; </a:t>
+            </a:r>
+            <a:r>
+              <a:rPr lang="en-US" dirty="0" err="1" smtClean="0"/>
+              <a:t>Madhyastha</a:t>
+            </a:r>
+            <a:r>
+              <a:rPr lang="en-US" dirty="0" smtClean="0"/>
+              <a:t>, EECS 482 lecture notes, University of Michigan, Fall 2016</a:t>
+            </a:r>
+            <a:endParaRPr lang="en-US" dirty="0"/>
+          </a:p>
+        </p:txBody>
+      </p:sp>
+      <p:sp>
+        <p:nvSpPr>
+          <p:cNvPr id="4" name="Date Placeholder 3"/>
+          <p:cNvSpPr>
+            <a:spLocks noGrp="1"/>
+          </p:cNvSpPr>
+          <p:nvPr>
+            <p:ph type="dt" sz="half" idx="10"/>
+          </p:nvPr>
+        </p:nvSpPr>
+        <p:spPr/>
+        <p:txBody>
+          <a:bodyPr/>
+          <a:lstStyle/>
+          <a:p>
+            <a:fld id="{2BD1A3CB-CAD6-FB4B-9A5A-696854FE92B6}" type="datetime1">
+              <a:rPr lang="en-US" smtClean="0"/>
+              <a:t>2/9/17</a:t>
+            </a:fld>
+            <a:endParaRPr lang="en-US"/>
+          </a:p>
+        </p:txBody>
+      </p:sp>
+      <p:sp>
+        <p:nvSpPr>
+          <p:cNvPr id="5" name="Footer Placeholder 4"/>
+          <p:cNvSpPr>
+            <a:spLocks noGrp="1"/>
+          </p:cNvSpPr>
+          <p:nvPr>
+            <p:ph type="ftr" sz="quarter" idx="11"/>
+          </p:nvPr>
+        </p:nvSpPr>
+        <p:spPr/>
+        <p:txBody>
+          <a:bodyPr/>
+          <a:lstStyle/>
+          <a:p>
+            <a:pPr>
+              <a:defRPr/>
+            </a:pPr>
+            <a:r>
+              <a:rPr lang="en-US" altLang="en-US" smtClean="0"/>
+              <a:t>Operating Systems: Lecture 1</a:t>
+            </a:r>
+            <a:endParaRPr lang="en-US" altLang="en-US"/>
+          </a:p>
+        </p:txBody>
+      </p:sp>
+      <p:sp>
+        <p:nvSpPr>
+          <p:cNvPr id="6" name="Slide Number Placeholder 5"/>
+          <p:cNvSpPr>
+            <a:spLocks noGrp="1"/>
+          </p:cNvSpPr>
+          <p:nvPr>
+            <p:ph type="sldNum" sz="quarter" idx="12"/>
+          </p:nvPr>
+        </p:nvSpPr>
+        <p:spPr/>
+        <p:txBody>
+          <a:bodyPr/>
+          <a:lstStyle/>
+          <a:p>
+            <a:fld id="{2907D84A-D9E1-964C-B1EF-5C5C24A64F29}" type="slidenum">
+              <a:rPr lang="en-US" smtClean="0"/>
+              <a:pPr/>
+              <a:t>46</a:t>
+            </a:fld>
+            <a:endParaRPr lang="en-US"/>
+          </a:p>
+        </p:txBody>
+      </p:sp>
+    </p:spTree>
+    <p:extLst>
+      <p:ext uri="{BB962C8B-B14F-4D97-AF65-F5344CB8AC3E}">
+        <p14:creationId xmlns:p14="http://schemas.microsoft.com/office/powerpoint/2010/main" val="155555981"/>
+      </p:ext>
+    </p:extLst>
+  </p:cSld>
+  <p:clrMapOvr>
+    <a:masterClrMapping/>
+  </p:clrMapOvr>
 </p:sld>
 </file>
 
@@ -20630,7 +20814,7 @@
           <a:p>
             <a:fld id="{A54EAF8B-644D-8C46-B5A9-2473571A09E3}" type="datetime1">
               <a:rPr lang="en-US" smtClean="0"/>
-              <a:t>2/8/2017</a:t>
+              <a:t>2/9/17</a:t>
             </a:fld>
             <a:endParaRPr lang="en-US"/>
           </a:p>
@@ -20699,7 +20883,7 @@
   <p:timing>
     <p:tnLst>
       <p:par>
-        <p:cTn id="1" dur="indefinite" restart="never" nodeType="tmRoot"/>
+        <p:cTn xmlns:p14="http://schemas.microsoft.com/office/powerpoint/2010/main" id="1" dur="indefinite" restart="never" nodeType="tmRoot"/>
       </p:par>
     </p:tnLst>
   </p:timing>
@@ -20844,7 +21028,7 @@
           <a:p>
             <a:fld id="{F0DA370A-F98B-C648-B28A-433F3E0447DC}" type="datetime1">
               <a:rPr lang="en-US" smtClean="0"/>
-              <a:t>2/8/2017</a:t>
+              <a:t>2/9/17</a:t>
             </a:fld>
             <a:endParaRPr lang="en-US"/>
           </a:p>
@@ -20913,7 +21097,7 @@
   <p:timing>
     <p:tnLst>
       <p:par>
-        <p:cTn id="1" dur="indefinite" restart="never" nodeType="tmRoot"/>
+        <p:cTn xmlns:p14="http://schemas.microsoft.com/office/powerpoint/2010/main" id="1" dur="indefinite" restart="never" nodeType="tmRoot"/>
       </p:par>
     </p:tnLst>
   </p:timing>
@@ -21023,7 +21207,7 @@
           <a:p>
             <a:fld id="{82358BB6-6DBA-C94E-8967-58CB0D118FB3}" type="datetime1">
               <a:rPr lang="en-US" smtClean="0"/>
-              <a:t>2/8/2017</a:t>
+              <a:t>2/9/17</a:t>
             </a:fld>
             <a:endParaRPr lang="en-US"/>
           </a:p>
@@ -21092,7 +21276,7 @@
   <p:timing>
     <p:tnLst>
       <p:par>
-        <p:cTn id="1" dur="indefinite" restart="never" nodeType="tmRoot"/>
+        <p:cTn xmlns:p14="http://schemas.microsoft.com/office/powerpoint/2010/main" id="1" dur="indefinite" restart="never" nodeType="tmRoot"/>
       </p:par>
     </p:tnLst>
   </p:timing>
@@ -21218,7 +21402,7 @@
           <a:p>
             <a:fld id="{201FD726-068E-9B43-B65C-60661888B09B}" type="datetime1">
               <a:rPr lang="en-US" smtClean="0"/>
-              <a:t>2/8/2017</a:t>
+              <a:t>2/9/17</a:t>
             </a:fld>
             <a:endParaRPr lang="en-US"/>
           </a:p>
@@ -21287,7 +21471,7 @@
   <p:timing>
     <p:tnLst>
       <p:par>
-        <p:cTn id="1" dur="indefinite" restart="never" nodeType="tmRoot"/>
+        <p:cTn xmlns:p14="http://schemas.microsoft.com/office/powerpoint/2010/main" id="1" dur="indefinite" restart="never" nodeType="tmRoot"/>
       </p:par>
     </p:tnLst>
   </p:timing>
@@ -21351,7 +21535,7 @@
           <a:p>
             <a:fld id="{201FD726-068E-9B43-B65C-60661888B09B}" type="datetime1">
               <a:rPr lang="en-US" smtClean="0"/>
-              <a:t>2/8/2017</a:t>
+              <a:t>2/9/17</a:t>
             </a:fld>
             <a:endParaRPr lang="en-US"/>
           </a:p>
@@ -21444,7 +21628,7 @@
   <p:timing>
     <p:tnLst>
       <p:par>
-        <p:cTn id="1" dur="indefinite" restart="never" nodeType="tmRoot"/>
+        <p:cTn xmlns:p14="http://schemas.microsoft.com/office/powerpoint/2010/main" id="1" dur="indefinite" restart="never" nodeType="tmRoot"/>
       </p:par>
     </p:tnLst>
   </p:timing>
